--- a/topic05/talk-1/a-web-design.pptx
+++ b/topic05/talk-1/a-web-design.pptx
@@ -372,7 +372,7 @@
           </a:ln>
           <a:extLst>
             <a:ext uri="{C572A759-6A51-4108-AA02-DFA0A04FC94B}">
-              <ma14:wrappingTextBoxFlag xmlns:ma14="http://schemas.microsoft.com/office/mac/drawingml/2011/main" xmlns="" val="1"/>
+              <ma14:wrappingTextBoxFlag xmlns="" xmlns:ma14="http://schemas.microsoft.com/office/mac/drawingml/2011/main" val="1"/>
             </a:ext>
           </a:extLst>
         </p:spPr>
@@ -459,7 +459,7 @@
             <a:effectLst/>
             <a:extLst>
               <a:ext uri="{C572A759-6A51-4108-AA02-DFA0A04FC94B}">
-                <ma14:wrappingTextBoxFlag xmlns:ma14="http://schemas.microsoft.com/office/mac/drawingml/2011/main" xmlns="" val="1"/>
+                <ma14:wrappingTextBoxFlag xmlns="" xmlns:ma14="http://schemas.microsoft.com/office/mac/drawingml/2011/main" val="1"/>
               </a:ext>
             </a:extLst>
           </p:spPr>
@@ -524,7 +524,7 @@
             <a:effectLst/>
             <a:extLst>
               <a:ext uri="{C572A759-6A51-4108-AA02-DFA0A04FC94B}">
-                <ma14:wrappingTextBoxFlag xmlns:ma14="http://schemas.microsoft.com/office/mac/drawingml/2011/main" xmlns="" val="1"/>
+                <ma14:wrappingTextBoxFlag xmlns="" xmlns:ma14="http://schemas.microsoft.com/office/mac/drawingml/2011/main" val="1"/>
               </a:ext>
             </a:extLst>
           </p:spPr>
@@ -574,7 +574,7 @@
             <a:effectLst/>
             <a:extLst>
               <a:ext uri="{C572A759-6A51-4108-AA02-DFA0A04FC94B}">
-                <ma14:wrappingTextBoxFlag xmlns:ma14="http://schemas.microsoft.com/office/mac/drawingml/2011/main" xmlns="" val="1"/>
+                <ma14:wrappingTextBoxFlag xmlns="" xmlns:ma14="http://schemas.microsoft.com/office/mac/drawingml/2011/main" val="1"/>
               </a:ext>
             </a:extLst>
           </p:spPr>
@@ -2577,7 +2577,7 @@
           </a:ln>
           <a:extLst>
             <a:ext uri="{C572A759-6A51-4108-AA02-DFA0A04FC94B}">
-              <ma14:wrappingTextBoxFlag xmlns:ma14="http://schemas.microsoft.com/office/mac/drawingml/2011/main" xmlns="" val="1"/>
+              <ma14:wrappingTextBoxFlag xmlns="" xmlns:ma14="http://schemas.microsoft.com/office/mac/drawingml/2011/main" val="1"/>
             </a:ext>
           </a:extLst>
         </p:spPr>
@@ -2664,7 +2664,7 @@
             <a:effectLst/>
             <a:extLst>
               <a:ext uri="{C572A759-6A51-4108-AA02-DFA0A04FC94B}">
-                <ma14:wrappingTextBoxFlag xmlns:ma14="http://schemas.microsoft.com/office/mac/drawingml/2011/main" xmlns="" val="1"/>
+                <ma14:wrappingTextBoxFlag xmlns="" xmlns:ma14="http://schemas.microsoft.com/office/mac/drawingml/2011/main" val="1"/>
               </a:ext>
             </a:extLst>
           </p:spPr>
@@ -2729,7 +2729,7 @@
             <a:effectLst/>
             <a:extLst>
               <a:ext uri="{C572A759-6A51-4108-AA02-DFA0A04FC94B}">
-                <ma14:wrappingTextBoxFlag xmlns:ma14="http://schemas.microsoft.com/office/mac/drawingml/2011/main" xmlns="" val="1"/>
+                <ma14:wrappingTextBoxFlag xmlns="" xmlns:ma14="http://schemas.microsoft.com/office/mac/drawingml/2011/main" val="1"/>
               </a:ext>
             </a:extLst>
           </p:spPr>
@@ -2779,7 +2779,7 @@
             <a:effectLst/>
             <a:extLst>
               <a:ext uri="{C572A759-6A51-4108-AA02-DFA0A04FC94B}">
-                <ma14:wrappingTextBoxFlag xmlns:ma14="http://schemas.microsoft.com/office/mac/drawingml/2011/main" xmlns="" val="1"/>
+                <ma14:wrappingTextBoxFlag xmlns="" xmlns:ma14="http://schemas.microsoft.com/office/mac/drawingml/2011/main" val="1"/>
               </a:ext>
             </a:extLst>
           </p:spPr>
@@ -3131,7 +3131,7 @@
             <a:effectLst/>
             <a:extLst>
               <a:ext uri="{C572A759-6A51-4108-AA02-DFA0A04FC94B}">
-                <ma14:wrappingTextBoxFlag xmlns:ma14="http://schemas.microsoft.com/office/mac/drawingml/2011/main" xmlns="" val="1"/>
+                <ma14:wrappingTextBoxFlag xmlns="" xmlns:ma14="http://schemas.microsoft.com/office/mac/drawingml/2011/main" val="1"/>
               </a:ext>
             </a:extLst>
           </p:spPr>
@@ -5078,7 +5078,7 @@
           </a:ln>
           <a:extLst>
             <a:ext uri="{C572A759-6A51-4108-AA02-DFA0A04FC94B}">
-              <ma14:wrappingTextBoxFlag xmlns:ma14="http://schemas.microsoft.com/office/mac/drawingml/2011/main" xmlns="" val="1"/>
+              <ma14:wrappingTextBoxFlag xmlns="" xmlns:ma14="http://schemas.microsoft.com/office/mac/drawingml/2011/main" val="1"/>
             </a:ext>
           </a:extLst>
         </p:spPr>
@@ -5119,7 +5119,7 @@
           </a:ln>
           <a:extLst>
             <a:ext uri="{C572A759-6A51-4108-AA02-DFA0A04FC94B}">
-              <ma14:wrappingTextBoxFlag xmlns:ma14="http://schemas.microsoft.com/office/mac/drawingml/2011/main" xmlns="" val="1"/>
+              <ma14:wrappingTextBoxFlag xmlns="" xmlns:ma14="http://schemas.microsoft.com/office/mac/drawingml/2011/main" val="1"/>
             </a:ext>
           </a:extLst>
         </p:spPr>
@@ -5740,7 +5740,7 @@
           </a:ln>
           <a:extLst>
             <a:ext uri="{C572A759-6A51-4108-AA02-DFA0A04FC94B}">
-              <ma14:wrappingTextBoxFlag xmlns:ma14="http://schemas.microsoft.com/office/mac/drawingml/2011/main" xmlns="" val="1"/>
+              <ma14:wrappingTextBoxFlag xmlns="" xmlns:ma14="http://schemas.microsoft.com/office/mac/drawingml/2011/main" val="1"/>
             </a:ext>
           </a:extLst>
         </p:spPr>
@@ -5902,7 +5902,7 @@
           </a:ln>
           <a:extLst>
             <a:ext uri="{C572A759-6A51-4108-AA02-DFA0A04FC94B}">
-              <ma14:wrappingTextBoxFlag xmlns:ma14="http://schemas.microsoft.com/office/mac/drawingml/2011/main" xmlns="" val="1"/>
+              <ma14:wrappingTextBoxFlag xmlns="" xmlns:ma14="http://schemas.microsoft.com/office/mac/drawingml/2011/main" val="1"/>
             </a:ext>
           </a:extLst>
         </p:spPr>
@@ -6069,7 +6069,7 @@
           </a:ln>
           <a:extLst>
             <a:ext uri="{C572A759-6A51-4108-AA02-DFA0A04FC94B}">
-              <ma14:wrappingTextBoxFlag xmlns:ma14="http://schemas.microsoft.com/office/mac/drawingml/2011/main" xmlns="" val="1"/>
+              <ma14:wrappingTextBoxFlag xmlns="" xmlns:ma14="http://schemas.microsoft.com/office/mac/drawingml/2011/main" val="1"/>
             </a:ext>
           </a:extLst>
         </p:spPr>
@@ -6227,7 +6227,7 @@
           </a:ln>
           <a:extLst>
             <a:ext uri="{C572A759-6A51-4108-AA02-DFA0A04FC94B}">
-              <ma14:wrappingTextBoxFlag xmlns:ma14="http://schemas.microsoft.com/office/mac/drawingml/2011/main" xmlns="" val="1"/>
+              <ma14:wrappingTextBoxFlag xmlns="" xmlns:ma14="http://schemas.microsoft.com/office/mac/drawingml/2011/main" val="1"/>
             </a:ext>
           </a:extLst>
         </p:spPr>
@@ -6385,7 +6385,7 @@
           </a:ln>
           <a:extLst>
             <a:ext uri="{C572A759-6A51-4108-AA02-DFA0A04FC94B}">
-              <ma14:wrappingTextBoxFlag xmlns:ma14="http://schemas.microsoft.com/office/mac/drawingml/2011/main" xmlns="" val="1"/>
+              <ma14:wrappingTextBoxFlag xmlns="" xmlns:ma14="http://schemas.microsoft.com/office/mac/drawingml/2011/main" val="1"/>
             </a:ext>
           </a:extLst>
         </p:spPr>
@@ -6561,7 +6561,7 @@
           </a:ln>
           <a:extLst>
             <a:ext uri="{C572A759-6A51-4108-AA02-DFA0A04FC94B}">
-              <ma14:wrappingTextBoxFlag xmlns:ma14="http://schemas.microsoft.com/office/mac/drawingml/2011/main" xmlns="" val="1"/>
+              <ma14:wrappingTextBoxFlag xmlns="" xmlns:ma14="http://schemas.microsoft.com/office/mac/drawingml/2011/main" val="1"/>
             </a:ext>
           </a:extLst>
         </p:spPr>
@@ -6737,7 +6737,7 @@
           </a:ln>
           <a:extLst>
             <a:ext uri="{C572A759-6A51-4108-AA02-DFA0A04FC94B}">
-              <ma14:wrappingTextBoxFlag xmlns:ma14="http://schemas.microsoft.com/office/mac/drawingml/2011/main" xmlns="" val="1"/>
+              <ma14:wrappingTextBoxFlag xmlns="" xmlns:ma14="http://schemas.microsoft.com/office/mac/drawingml/2011/main" val="1"/>
             </a:ext>
           </a:extLst>
         </p:spPr>
@@ -6978,7 +6978,7 @@
           </a:ln>
           <a:extLst>
             <a:ext uri="{C572A759-6A51-4108-AA02-DFA0A04FC94B}">
-              <ma14:wrappingTextBoxFlag xmlns:ma14="http://schemas.microsoft.com/office/mac/drawingml/2011/main" xmlns="" val="1"/>
+              <ma14:wrappingTextBoxFlag xmlns="" xmlns:ma14="http://schemas.microsoft.com/office/mac/drawingml/2011/main" val="1"/>
             </a:ext>
           </a:extLst>
         </p:spPr>
@@ -7154,7 +7154,7 @@
           </a:ln>
           <a:extLst>
             <a:ext uri="{C572A759-6A51-4108-AA02-DFA0A04FC94B}">
-              <ma14:wrappingTextBoxFlag xmlns:ma14="http://schemas.microsoft.com/office/mac/drawingml/2011/main" xmlns="" val="1"/>
+              <ma14:wrappingTextBoxFlag xmlns="" xmlns:ma14="http://schemas.microsoft.com/office/mac/drawingml/2011/main" val="1"/>
             </a:ext>
           </a:extLst>
         </p:spPr>
@@ -7312,7 +7312,7 @@
           </a:ln>
           <a:extLst>
             <a:ext uri="{C572A759-6A51-4108-AA02-DFA0A04FC94B}">
-              <ma14:wrappingTextBoxFlag xmlns:ma14="http://schemas.microsoft.com/office/mac/drawingml/2011/main" xmlns="" val="1"/>
+              <ma14:wrappingTextBoxFlag xmlns="" xmlns:ma14="http://schemas.microsoft.com/office/mac/drawingml/2011/main" val="1"/>
             </a:ext>
           </a:extLst>
         </p:spPr>
@@ -7488,7 +7488,7 @@
           </a:ln>
           <a:extLst>
             <a:ext uri="{C572A759-6A51-4108-AA02-DFA0A04FC94B}">
-              <ma14:wrappingTextBoxFlag xmlns:ma14="http://schemas.microsoft.com/office/mac/drawingml/2011/main" xmlns="" val="1"/>
+              <ma14:wrappingTextBoxFlag xmlns="" xmlns:ma14="http://schemas.microsoft.com/office/mac/drawingml/2011/main" val="1"/>
             </a:ext>
           </a:extLst>
         </p:spPr>
@@ -7655,7 +7655,7 @@
           </a:ln>
           <a:extLst>
             <a:ext uri="{C572A759-6A51-4108-AA02-DFA0A04FC94B}">
-              <ma14:wrappingTextBoxFlag xmlns:ma14="http://schemas.microsoft.com/office/mac/drawingml/2011/main" xmlns="" val="1"/>
+              <ma14:wrappingTextBoxFlag xmlns="" xmlns:ma14="http://schemas.microsoft.com/office/mac/drawingml/2011/main" val="1"/>
             </a:ext>
           </a:extLst>
         </p:spPr>
@@ -7753,7 +7753,7 @@
               <a:defRPr sz="1800"/>
             </a:pPr>
             <a:r>
-              <a:rPr sz="2600" b="1" i="1"/>
+              <a:rPr sz="2600" b="1" i="1" dirty="0"/>
               <a:t>Do</a:t>
             </a:r>
           </a:p>
@@ -7765,7 +7765,7 @@
               <a:defRPr sz="1800"/>
             </a:pPr>
             <a:r>
-              <a:rPr sz="2400"/>
+              <a:rPr sz="2400" dirty="0"/>
               <a:t>Experiment and Innovate</a:t>
             </a:r>
           </a:p>
@@ -7777,8 +7777,16 @@
               <a:defRPr sz="1800"/>
             </a:pPr>
             <a:r>
-              <a:rPr sz="2400"/>
-              <a:t>Use you text book &amp; sitepoint web site as a reference manual for html &amp; CSS</a:t>
+              <a:rPr sz="2400" dirty="0"/>
+              <a:t>Use you text book &amp; </a:t>
+            </a:r>
+            <a:r>
+              <a:rPr sz="2400" dirty="0" err="1"/>
+              <a:t>sitepoint</a:t>
+            </a:r>
+            <a:r>
+              <a:rPr sz="2400" dirty="0"/>
+              <a:t> web site as a reference manual for html &amp; CSS</a:t>
             </a:r>
           </a:p>
           <a:p>
@@ -7789,9 +7797,14 @@
               <a:defRPr sz="1800"/>
             </a:pPr>
             <a:r>
-              <a:rPr sz="2400"/>
-              <a:t>Make intelligent use of Eclipse</a:t>
-            </a:r>
+              <a:rPr sz="2400" dirty="0"/>
+              <a:t>Make intelligent use of </a:t>
+            </a:r>
+            <a:r>
+              <a:rPr lang="en-GB" sz="2400" smtClean="0"/>
+              <a:t>Sublime</a:t>
+            </a:r>
+            <a:endParaRPr sz="2400" dirty="0"/>
           </a:p>
           <a:p>
             <a:pPr marL="711199" lvl="1" indent="-266699">
@@ -7801,7 +7814,7 @@
               <a:defRPr sz="1800"/>
             </a:pPr>
             <a:r>
-              <a:rPr sz="2400"/>
+              <a:rPr sz="2400" dirty="0"/>
               <a:t>Publish the site regularly to verify its operation</a:t>
             </a:r>
           </a:p>
@@ -7813,8 +7826,16 @@
               <a:defRPr sz="1800"/>
             </a:pPr>
             <a:r>
-              <a:rPr sz="2400"/>
-              <a:t>Use w3c site for regular html and css validation</a:t>
+              <a:rPr sz="2400" dirty="0"/>
+              <a:t>Use w3c site for regular html and </a:t>
+            </a:r>
+            <a:r>
+              <a:rPr sz="2400" dirty="0" err="1"/>
+              <a:t>css</a:t>
+            </a:r>
+            <a:r>
+              <a:rPr sz="2400" dirty="0"/>
+              <a:t> validation</a:t>
             </a:r>
           </a:p>
           <a:p>
@@ -7825,7 +7846,7 @@
               <a:defRPr sz="1800"/>
             </a:pPr>
             <a:r>
-              <a:rPr sz="2400"/>
+              <a:rPr sz="2400" dirty="0"/>
               <a:t>Spend 2 hours of supervised labs on project + 1-2 other hours per week.</a:t>
             </a:r>
           </a:p>
@@ -7837,9 +7858,10 @@
               <a:defRPr sz="1800"/>
             </a:pPr>
             <a:r>
-              <a:rPr sz="2600" b="1" i="1"/>
+              <a:rPr sz="2600" b="1" i="1" dirty="0" err="1"/>
               <a:t>Dont</a:t>
             </a:r>
+            <a:endParaRPr sz="2600" b="1" i="1" dirty="0"/>
           </a:p>
           <a:p>
             <a:pPr marL="711200" lvl="1" indent="-266700">
@@ -7849,6 +7871,7 @@
               <a:defRPr sz="1800"/>
             </a:pPr>
             <a:r>
+              <a:rPr dirty="0"/>
               <a:t>PANIC! </a:t>
             </a:r>
           </a:p>
@@ -7860,9 +7883,18 @@
               <a:defRPr sz="1800"/>
             </a:pPr>
             <a:r>
-              <a:rPr sz="2600"/>
-              <a:t>The project should be fun and interesting and a way of deepening your knowledge of HTML, CSS and Eclipse.</a:t>
-            </a:r>
+              <a:rPr sz="2600" dirty="0"/>
+              <a:t>The project should be fun and interesting and a way of deepening your knowledge of HTML, CSS and </a:t>
+            </a:r>
+            <a:r>
+              <a:rPr lang="en-GB" sz="2600" dirty="0" smtClean="0"/>
+              <a:t>Sublime</a:t>
+            </a:r>
+            <a:r>
+              <a:rPr sz="2600" dirty="0" smtClean="0"/>
+              <a:t>.</a:t>
+            </a:r>
+            <a:endParaRPr sz="2600" dirty="0"/>
           </a:p>
         </p:txBody>
       </p:sp>
@@ -7937,7 +7969,7 @@
           </a:ln>
           <a:extLst>
             <a:ext uri="{C572A759-6A51-4108-AA02-DFA0A04FC94B}">
-              <ma14:wrappingTextBoxFlag xmlns:ma14="http://schemas.microsoft.com/office/mac/drawingml/2011/main" xmlns="" val="1"/>
+              <ma14:wrappingTextBoxFlag xmlns="" xmlns:ma14="http://schemas.microsoft.com/office/mac/drawingml/2011/main" val="1"/>
             </a:ext>
           </a:extLst>
         </p:spPr>
@@ -8067,7 +8099,7 @@
           </a:ln>
           <a:extLst>
             <a:ext uri="{C572A759-6A51-4108-AA02-DFA0A04FC94B}">
-              <ma14:wrappingTextBoxFlag xmlns:ma14="http://schemas.microsoft.com/office/mac/drawingml/2011/main" xmlns="" val="1"/>
+              <ma14:wrappingTextBoxFlag xmlns="" xmlns:ma14="http://schemas.microsoft.com/office/mac/drawingml/2011/main" val="1"/>
             </a:ext>
           </a:extLst>
         </p:spPr>
@@ -8187,7 +8219,7 @@
           </a:ln>
           <a:extLst>
             <a:ext uri="{C572A759-6A51-4108-AA02-DFA0A04FC94B}">
-              <ma14:wrappingTextBoxFlag xmlns:ma14="http://schemas.microsoft.com/office/mac/drawingml/2011/main" xmlns="" val="1"/>
+              <ma14:wrappingTextBoxFlag xmlns="" xmlns:ma14="http://schemas.microsoft.com/office/mac/drawingml/2011/main" val="1"/>
             </a:ext>
           </a:extLst>
         </p:spPr>
@@ -8363,7 +8395,7 @@
           </a:ln>
           <a:extLst>
             <a:ext uri="{C572A759-6A51-4108-AA02-DFA0A04FC94B}">
-              <ma14:wrappingTextBoxFlag xmlns:ma14="http://schemas.microsoft.com/office/mac/drawingml/2011/main" xmlns="" val="1"/>
+              <ma14:wrappingTextBoxFlag xmlns="" xmlns:ma14="http://schemas.microsoft.com/office/mac/drawingml/2011/main" val="1"/>
             </a:ext>
           </a:extLst>
         </p:spPr>
@@ -8530,7 +8562,7 @@
           </a:ln>
           <a:extLst>
             <a:ext uri="{C572A759-6A51-4108-AA02-DFA0A04FC94B}">
-              <ma14:wrappingTextBoxFlag xmlns:ma14="http://schemas.microsoft.com/office/mac/drawingml/2011/main" xmlns="" val="1"/>
+              <ma14:wrappingTextBoxFlag xmlns="" xmlns:ma14="http://schemas.microsoft.com/office/mac/drawingml/2011/main" val="1"/>
             </a:ext>
           </a:extLst>
         </p:spPr>
@@ -8715,7 +8747,7 @@
           </a:ln>
           <a:extLst>
             <a:ext uri="{C572A759-6A51-4108-AA02-DFA0A04FC94B}">
-              <ma14:wrappingTextBoxFlag xmlns:ma14="http://schemas.microsoft.com/office/mac/drawingml/2011/main" xmlns="" val="1"/>
+              <ma14:wrappingTextBoxFlag xmlns="" xmlns:ma14="http://schemas.microsoft.com/office/mac/drawingml/2011/main" val="1"/>
             </a:ext>
           </a:extLst>
         </p:spPr>
@@ -8900,7 +8932,7 @@
           </a:ln>
           <a:extLst>
             <a:ext uri="{C572A759-6A51-4108-AA02-DFA0A04FC94B}">
-              <ma14:wrappingTextBoxFlag xmlns:ma14="http://schemas.microsoft.com/office/mac/drawingml/2011/main" xmlns="" val="1"/>
+              <ma14:wrappingTextBoxFlag xmlns="" xmlns:ma14="http://schemas.microsoft.com/office/mac/drawingml/2011/main" val="1"/>
             </a:ext>
           </a:extLst>
         </p:spPr>
@@ -9085,7 +9117,7 @@
           </a:ln>
           <a:extLst>
             <a:ext uri="{C572A759-6A51-4108-AA02-DFA0A04FC94B}">
-              <ma14:wrappingTextBoxFlag xmlns:ma14="http://schemas.microsoft.com/office/mac/drawingml/2011/main" xmlns="" val="1"/>
+              <ma14:wrappingTextBoxFlag xmlns="" xmlns:ma14="http://schemas.microsoft.com/office/mac/drawingml/2011/main" val="1"/>
             </a:ext>
           </a:extLst>
         </p:spPr>
@@ -9228,7 +9260,7 @@
           </a:ln>
           <a:extLst>
             <a:ext uri="{C572A759-6A51-4108-AA02-DFA0A04FC94B}">
-              <ma14:wrappingTextBoxFlag xmlns:ma14="http://schemas.microsoft.com/office/mac/drawingml/2011/main" xmlns="" val="1"/>
+              <ma14:wrappingTextBoxFlag xmlns="" xmlns:ma14="http://schemas.microsoft.com/office/mac/drawingml/2011/main" val="1"/>
             </a:ext>
           </a:extLst>
         </p:spPr>
